--- a/python库/asyncio/img/绘图.pptx
+++ b/python库/asyncio/img/绘图.pptx
@@ -105,6 +105,11 @@
       </a:defRPr>
     </a:lvl9pPr>
   </p:defaultTextStyle>
+  <p:extLst>
+    <p:ext uri="{EFAFB233-063F-42B5-8137-9DF3F51BA10A}">
+      <p15:sldGuideLst xmlns:p15="http://schemas.microsoft.com/office/powerpoint/2012/main"/>
+    </p:ext>
+  </p:extLst>
 </p:presentation>
 </file>
 
@@ -255,7 +260,7 @@
           <a:p>
             <a:fld id="{0E438B1C-5CCC-425D-9076-CBD9BE4BB6F8}" type="datetimeFigureOut">
               <a:rPr lang="zh-CN" altLang="en-US" smtClean="0"/>
-              <a:t>2021/1/7</a:t>
+              <a:t>2021/2/5</a:t>
             </a:fld>
             <a:endParaRPr lang="zh-CN" altLang="en-US"/>
           </a:p>
@@ -453,7 +458,7 @@
           <a:p>
             <a:fld id="{0E438B1C-5CCC-425D-9076-CBD9BE4BB6F8}" type="datetimeFigureOut">
               <a:rPr lang="zh-CN" altLang="en-US" smtClean="0"/>
-              <a:t>2021/1/7</a:t>
+              <a:t>2021/2/5</a:t>
             </a:fld>
             <a:endParaRPr lang="zh-CN" altLang="en-US"/>
           </a:p>
@@ -661,7 +666,7 @@
           <a:p>
             <a:fld id="{0E438B1C-5CCC-425D-9076-CBD9BE4BB6F8}" type="datetimeFigureOut">
               <a:rPr lang="zh-CN" altLang="en-US" smtClean="0"/>
-              <a:t>2021/1/7</a:t>
+              <a:t>2021/2/5</a:t>
             </a:fld>
             <a:endParaRPr lang="zh-CN" altLang="en-US"/>
           </a:p>
@@ -859,7 +864,7 @@
           <a:p>
             <a:fld id="{0E438B1C-5CCC-425D-9076-CBD9BE4BB6F8}" type="datetimeFigureOut">
               <a:rPr lang="zh-CN" altLang="en-US" smtClean="0"/>
-              <a:t>2021/1/7</a:t>
+              <a:t>2021/2/5</a:t>
             </a:fld>
             <a:endParaRPr lang="zh-CN" altLang="en-US"/>
           </a:p>
@@ -1134,7 +1139,7 @@
           <a:p>
             <a:fld id="{0E438B1C-5CCC-425D-9076-CBD9BE4BB6F8}" type="datetimeFigureOut">
               <a:rPr lang="zh-CN" altLang="en-US" smtClean="0"/>
-              <a:t>2021/1/7</a:t>
+              <a:t>2021/2/5</a:t>
             </a:fld>
             <a:endParaRPr lang="zh-CN" altLang="en-US"/>
           </a:p>
@@ -1399,7 +1404,7 @@
           <a:p>
             <a:fld id="{0E438B1C-5CCC-425D-9076-CBD9BE4BB6F8}" type="datetimeFigureOut">
               <a:rPr lang="zh-CN" altLang="en-US" smtClean="0"/>
-              <a:t>2021/1/7</a:t>
+              <a:t>2021/2/5</a:t>
             </a:fld>
             <a:endParaRPr lang="zh-CN" altLang="en-US"/>
           </a:p>
@@ -1811,7 +1816,7 @@
           <a:p>
             <a:fld id="{0E438B1C-5CCC-425D-9076-CBD9BE4BB6F8}" type="datetimeFigureOut">
               <a:rPr lang="zh-CN" altLang="en-US" smtClean="0"/>
-              <a:t>2021/1/7</a:t>
+              <a:t>2021/2/5</a:t>
             </a:fld>
             <a:endParaRPr lang="zh-CN" altLang="en-US"/>
           </a:p>
@@ -1952,7 +1957,7 @@
           <a:p>
             <a:fld id="{0E438B1C-5CCC-425D-9076-CBD9BE4BB6F8}" type="datetimeFigureOut">
               <a:rPr lang="zh-CN" altLang="en-US" smtClean="0"/>
-              <a:t>2021/1/7</a:t>
+              <a:t>2021/2/5</a:t>
             </a:fld>
             <a:endParaRPr lang="zh-CN" altLang="en-US"/>
           </a:p>
@@ -2065,7 +2070,7 @@
           <a:p>
             <a:fld id="{0E438B1C-5CCC-425D-9076-CBD9BE4BB6F8}" type="datetimeFigureOut">
               <a:rPr lang="zh-CN" altLang="en-US" smtClean="0"/>
-              <a:t>2021/1/7</a:t>
+              <a:t>2021/2/5</a:t>
             </a:fld>
             <a:endParaRPr lang="zh-CN" altLang="en-US"/>
           </a:p>
@@ -2376,7 +2381,7 @@
           <a:p>
             <a:fld id="{0E438B1C-5CCC-425D-9076-CBD9BE4BB6F8}" type="datetimeFigureOut">
               <a:rPr lang="zh-CN" altLang="en-US" smtClean="0"/>
-              <a:t>2021/1/7</a:t>
+              <a:t>2021/2/5</a:t>
             </a:fld>
             <a:endParaRPr lang="zh-CN" altLang="en-US"/>
           </a:p>
@@ -2664,7 +2669,7 @@
           <a:p>
             <a:fld id="{0E438B1C-5CCC-425D-9076-CBD9BE4BB6F8}" type="datetimeFigureOut">
               <a:rPr lang="zh-CN" altLang="en-US" smtClean="0"/>
-              <a:t>2021/1/7</a:t>
+              <a:t>2021/2/5</a:t>
             </a:fld>
             <a:endParaRPr lang="zh-CN" altLang="en-US"/>
           </a:p>
@@ -2905,7 +2910,7 @@
           <a:p>
             <a:fld id="{0E438B1C-5CCC-425D-9076-CBD9BE4BB6F8}" type="datetimeFigureOut">
               <a:rPr lang="zh-CN" altLang="en-US" smtClean="0"/>
-              <a:t>2021/1/7</a:t>
+              <a:t>2021/2/5</a:t>
             </a:fld>
             <a:endParaRPr lang="zh-CN" altLang="en-US"/>
           </a:p>
@@ -3336,7 +3341,7 @@
         </p:nvSpPr>
         <p:spPr>
           <a:xfrm>
-            <a:off x="2616708" y="1055637"/>
+            <a:off x="3130468" y="1055637"/>
             <a:ext cx="513770" cy="180474"/>
           </a:xfrm>
           <a:prstGeom prst="rect">
@@ -3692,7 +3697,7 @@
         </p:nvSpPr>
         <p:spPr>
           <a:xfrm>
-            <a:off x="3130486" y="1306658"/>
+            <a:off x="3644246" y="1306658"/>
             <a:ext cx="1027529" cy="180474"/>
           </a:xfrm>
           <a:prstGeom prst="rect">
@@ -4188,7 +4193,7 @@
         </p:nvSpPr>
         <p:spPr>
           <a:xfrm>
-            <a:off x="2616708" y="2823477"/>
+            <a:off x="3130459" y="2823477"/>
             <a:ext cx="513770" cy="180474"/>
           </a:xfrm>
           <a:prstGeom prst="rect">
@@ -4544,7 +4549,7 @@
         </p:nvSpPr>
         <p:spPr>
           <a:xfrm>
-            <a:off x="2616717" y="3074498"/>
+            <a:off x="3130468" y="3074498"/>
             <a:ext cx="1027529" cy="180474"/>
           </a:xfrm>
           <a:prstGeom prst="rect">
